--- a/chapter 06 - Latex programming/Latex简要教程.pptx
+++ b/chapter 06 - Latex programming/Latex简要教程.pptx
@@ -306,7 +306,7 @@
           <a:p>
             <a:fld id="{3AB69CFA-11C7-4DA9-ACBF-C33CD51B1BB2}" type="datetimeFigureOut">
               <a:rPr lang="zh-CN" altLang="en-US" smtClean="0"/>
-              <a:t>2021/3/30</a:t>
+              <a:t>2021/4/26</a:t>
             </a:fld>
             <a:endParaRPr lang="zh-CN" altLang="en-US"/>
           </a:p>
@@ -471,7 +471,7 @@
           <a:p>
             <a:fld id="{E4677119-95BD-4228-9886-B2ACBAF66FB6}" type="datetimeFigureOut">
               <a:rPr lang="zh-CN" altLang="en-US" smtClean="0"/>
-              <a:t>2021/3/30</a:t>
+              <a:t>2021/4/26</a:t>
             </a:fld>
             <a:endParaRPr lang="zh-CN" altLang="en-US"/>
           </a:p>
@@ -3334,7 +3334,7 @@
                   </a:schemeClr>
                 </a:solidFill>
               </a:rPr>
-              <a:t>10:26</a:t>
+              <a:t>08:15</a:t>
             </a:fld>
             <a:r>
               <a:rPr lang="zh-CN" altLang="en-US" dirty="0">
@@ -29044,14 +29044,9 @@
           </a:p>
           <a:p>
             <a:r>
-              <a:rPr lang="en-US" altLang="zh-CN" dirty="0">
-                <a:hlinkClick r:id="rId2"/>
-              </a:rPr>
-              <a:t>http://deeplearning.stanford.edu/wiki/index.php/UFLDL_Tutorial</a:t>
-            </a:r>
-            <a:endParaRPr lang="en-US" altLang="zh-CN" dirty="0"/>
-          </a:p>
-          <a:p>
+              <a:rPr lang="en-US" altLang="zh-CN" dirty="0"/>
+              <a:t>http://ufldl.stanford.edu/tutorial/unsupervised/Autoencoders/</a:t>
+            </a:r>
             <a:endParaRPr lang="zh-CN" altLang="en-US" dirty="0"/>
           </a:p>
         </p:txBody>
@@ -29071,7 +29066,7 @@
         <p:spPr>
           <a:xfrm>
             <a:off x="683568" y="2207518"/>
-            <a:ext cx="7200800" cy="2031325"/>
+            <a:ext cx="7200800" cy="369332"/>
           </a:xfrm>
           <a:prstGeom prst="rect">
             <a:avLst/>
@@ -29084,205 +29079,48 @@
           <a:lstStyle/>
           <a:p>
             <a:r>
-              <a:rPr lang="en-US" altLang="zh-CN" b="1" dirty="0">
-                <a:solidFill>
-                  <a:srgbClr val="000000"/>
-                </a:solidFill>
-                <a:latin typeface="Arial" panose="020B0604020202020204" pitchFamily="34" charset="0"/>
-              </a:rPr>
-              <a:t>Sparse </a:t>
-            </a:r>
-            <a:r>
-              <a:rPr lang="en-US" altLang="zh-CN" b="1" dirty="0" err="1">
-                <a:solidFill>
-                  <a:srgbClr val="000000"/>
-                </a:solidFill>
-                <a:latin typeface="Arial" panose="020B0604020202020204" pitchFamily="34" charset="0"/>
-              </a:rPr>
-              <a:t>Autoencoder</a:t>
-            </a:r>
-            <a:endParaRPr lang="en-US" altLang="zh-CN" dirty="0">
-              <a:solidFill>
-                <a:srgbClr val="000000"/>
-              </a:solidFill>
-              <a:latin typeface="Arial" panose="020B0604020202020204" pitchFamily="34" charset="0"/>
-            </a:endParaRPr>
-          </a:p>
-          <a:p>
-            <a:pPr>
-              <a:buFont typeface="Arial" panose="020B0604020202020204" pitchFamily="34" charset="0"/>
-              <a:buChar char="•"/>
-            </a:pPr>
-            <a:r>
-              <a:rPr lang="en-US" altLang="zh-CN" dirty="0">
-                <a:solidFill>
-                  <a:srgbClr val="5A3696"/>
-                </a:solidFill>
-                <a:latin typeface="Arial" panose="020B0604020202020204" pitchFamily="34" charset="0"/>
-                <a:hlinkClick r:id="rId3" tooltip="Neural Networks"/>
-              </a:rPr>
-              <a:t>Neural Networks</a:t>
-            </a:r>
-            <a:endParaRPr lang="en-US" altLang="zh-CN" dirty="0">
-              <a:solidFill>
-                <a:srgbClr val="000000"/>
-              </a:solidFill>
-              <a:latin typeface="Arial" panose="020B0604020202020204" pitchFamily="34" charset="0"/>
-            </a:endParaRPr>
-          </a:p>
-          <a:p>
-            <a:pPr>
-              <a:buFont typeface="Arial" panose="020B0604020202020204" pitchFamily="34" charset="0"/>
-              <a:buChar char="•"/>
-            </a:pPr>
-            <a:r>
-              <a:rPr lang="en-US" altLang="zh-CN" dirty="0">
-                <a:solidFill>
-                  <a:srgbClr val="5A3696"/>
-                </a:solidFill>
-                <a:latin typeface="Arial" panose="020B0604020202020204" pitchFamily="34" charset="0"/>
-                <a:hlinkClick r:id="rId4" tooltip="Backpropagation Algorithm"/>
-              </a:rPr>
-              <a:t>Backpropagation Algorithm</a:t>
-            </a:r>
-            <a:endParaRPr lang="en-US" altLang="zh-CN" dirty="0">
-              <a:solidFill>
-                <a:srgbClr val="000000"/>
-              </a:solidFill>
-              <a:latin typeface="Arial" panose="020B0604020202020204" pitchFamily="34" charset="0"/>
-            </a:endParaRPr>
-          </a:p>
-          <a:p>
-            <a:pPr>
-              <a:buFont typeface="Arial" panose="020B0604020202020204" pitchFamily="34" charset="0"/>
-              <a:buChar char="•"/>
-            </a:pPr>
-            <a:r>
-              <a:rPr lang="en-US" altLang="zh-CN" dirty="0">
-                <a:solidFill>
-                  <a:srgbClr val="5A3696"/>
-                </a:solidFill>
-                <a:latin typeface="Arial" panose="020B0604020202020204" pitchFamily="34" charset="0"/>
-                <a:hlinkClick r:id="rId5" tooltip="Gradient checking and advanced optimization"/>
-              </a:rPr>
-              <a:t>Gradient checking and advanced optimization</a:t>
-            </a:r>
-            <a:endParaRPr lang="en-US" altLang="zh-CN" dirty="0">
-              <a:solidFill>
-                <a:srgbClr val="000000"/>
-              </a:solidFill>
-              <a:latin typeface="Arial" panose="020B0604020202020204" pitchFamily="34" charset="0"/>
-            </a:endParaRPr>
-          </a:p>
-          <a:p>
-            <a:pPr>
-              <a:buFont typeface="Arial" panose="020B0604020202020204" pitchFamily="34" charset="0"/>
-              <a:buChar char="•"/>
-            </a:pPr>
-            <a:r>
-              <a:rPr lang="en-US" altLang="zh-CN" dirty="0" err="1">
-                <a:solidFill>
-                  <a:srgbClr val="5A3696"/>
-                </a:solidFill>
-                <a:latin typeface="Arial" panose="020B0604020202020204" pitchFamily="34" charset="0"/>
-                <a:hlinkClick r:id="rId6" tooltip="Autoencoders and Sparsity"/>
-              </a:rPr>
+              <a:rPr lang="en-US" altLang="zh-CN" b="1" dirty="0"/>
               <a:t>Autoencoders</a:t>
             </a:r>
-            <a:r>
-              <a:rPr lang="en-US" altLang="zh-CN" dirty="0">
-                <a:solidFill>
-                  <a:srgbClr val="5A3696"/>
-                </a:solidFill>
-                <a:latin typeface="Arial" panose="020B0604020202020204" pitchFamily="34" charset="0"/>
-                <a:hlinkClick r:id="rId6" tooltip="Autoencoders and Sparsity"/>
-              </a:rPr>
-              <a:t> and Sparsity</a:t>
-            </a:r>
-            <a:endParaRPr lang="en-US" altLang="zh-CN" dirty="0">
-              <a:solidFill>
-                <a:srgbClr val="000000"/>
-              </a:solidFill>
-              <a:latin typeface="Arial" panose="020B0604020202020204" pitchFamily="34" charset="0"/>
-            </a:endParaRPr>
-          </a:p>
-          <a:p>
-            <a:pPr>
-              <a:buFont typeface="Arial" panose="020B0604020202020204" pitchFamily="34" charset="0"/>
-              <a:buChar char="•"/>
-            </a:pPr>
-            <a:r>
-              <a:rPr lang="en-US" altLang="zh-CN" dirty="0">
-                <a:solidFill>
-                  <a:srgbClr val="5A3696"/>
-                </a:solidFill>
-                <a:latin typeface="Arial" panose="020B0604020202020204" pitchFamily="34" charset="0"/>
-                <a:hlinkClick r:id="rId7" tooltip="Visualizing a Trained Autoencoder"/>
-              </a:rPr>
-              <a:t>Visualizing a Trained </a:t>
-            </a:r>
-            <a:r>
-              <a:rPr lang="en-US" altLang="zh-CN" dirty="0" err="1">
-                <a:solidFill>
-                  <a:srgbClr val="5A3696"/>
-                </a:solidFill>
-                <a:latin typeface="Arial" panose="020B0604020202020204" pitchFamily="34" charset="0"/>
-                <a:hlinkClick r:id="rId7" tooltip="Visualizing a Trained Autoencoder"/>
-              </a:rPr>
-              <a:t>Autoencoder</a:t>
-            </a:r>
-            <a:endParaRPr lang="en-US" altLang="zh-CN" dirty="0">
-              <a:solidFill>
-                <a:srgbClr val="000000"/>
-              </a:solidFill>
-              <a:latin typeface="Arial" panose="020B0604020202020204" pitchFamily="34" charset="0"/>
-            </a:endParaRPr>
-          </a:p>
-          <a:p>
-            <a:pPr>
-              <a:buFont typeface="Arial" panose="020B0604020202020204" pitchFamily="34" charset="0"/>
-              <a:buChar char="•"/>
-            </a:pPr>
-            <a:r>
-              <a:rPr lang="en-US" altLang="zh-CN" dirty="0">
-                <a:solidFill>
-                  <a:srgbClr val="5A3696"/>
-                </a:solidFill>
-                <a:latin typeface="Arial" panose="020B0604020202020204" pitchFamily="34" charset="0"/>
-                <a:hlinkClick r:id="rId8" tooltip="Sparse Autoencoder Notation Summary"/>
-              </a:rPr>
-              <a:t>Sparse </a:t>
-            </a:r>
-            <a:r>
-              <a:rPr lang="en-US" altLang="zh-CN" dirty="0" err="1">
-                <a:solidFill>
-                  <a:srgbClr val="5A3696"/>
-                </a:solidFill>
-                <a:latin typeface="Arial" panose="020B0604020202020204" pitchFamily="34" charset="0"/>
-                <a:hlinkClick r:id="rId8" tooltip="Sparse Autoencoder Notation Summary"/>
-              </a:rPr>
-              <a:t>Autoencoder</a:t>
-            </a:r>
-            <a:r>
-              <a:rPr lang="en-US" altLang="zh-CN" dirty="0">
-                <a:solidFill>
-                  <a:srgbClr val="5A3696"/>
-                </a:solidFill>
-                <a:latin typeface="Arial" panose="020B0604020202020204" pitchFamily="34" charset="0"/>
-                <a:hlinkClick r:id="rId8" tooltip="Sparse Autoencoder Notation Summary"/>
-              </a:rPr>
-              <a:t> Notation Summary</a:t>
-            </a:r>
-            <a:endParaRPr lang="en-US" altLang="zh-CN" b="0" i="0" dirty="0">
-              <a:solidFill>
-                <a:srgbClr val="000000"/>
-              </a:solidFill>
-              <a:effectLst/>
-              <a:latin typeface="Arial" panose="020B0604020202020204" pitchFamily="34" charset="0"/>
-            </a:endParaRPr>
           </a:p>
         </p:txBody>
       </p:sp>
+      <p:pic>
+        <p:nvPicPr>
+          <p:cNvPr id="6" name="图片 5">
+            <a:extLst>
+              <a:ext uri="{FF2B5EF4-FFF2-40B4-BE49-F238E27FC236}">
+                <a16:creationId xmlns:a16="http://schemas.microsoft.com/office/drawing/2014/main" id="{FF3A8D3A-AA85-4751-AADA-8C372182CDC8}"/>
+              </a:ext>
+            </a:extLst>
+          </p:cNvPr>
+          <p:cNvPicPr>
+            <a:picLocks noChangeAspect="1"/>
+          </p:cNvPicPr>
+          <p:nvPr/>
+        </p:nvPicPr>
+        <p:blipFill>
+          <a:blip r:embed="rId2" cstate="print">
+            <a:extLst>
+              <a:ext uri="{28A0092B-C50C-407E-A947-70E740481C1C}">
+                <a14:useLocalDpi xmlns:a14="http://schemas.microsoft.com/office/drawing/2010/main" val="0"/>
+              </a:ext>
+            </a:extLst>
+          </a:blip>
+          <a:stretch>
+            <a:fillRect/>
+          </a:stretch>
+        </p:blipFill>
+        <p:spPr>
+          <a:xfrm>
+            <a:off x="2850961" y="2207518"/>
+            <a:ext cx="2309532" cy="2571749"/>
+          </a:xfrm>
+          <a:prstGeom prst="rect">
+            <a:avLst/>
+          </a:prstGeom>
+        </p:spPr>
+      </p:pic>
     </p:spTree>
     <p:extLst>
       <p:ext uri="{BB962C8B-B14F-4D97-AF65-F5344CB8AC3E}">
